--- a/PPTs/Surah Aala.pptx
+++ b/PPTs/Surah Aala.pptx
@@ -4464,41 +4464,7 @@
                 <a:ea typeface="Calibri Light" panose="020F0302020204030204" pitchFamily="34" charset="0"/>
                 <a:cs typeface="Calibri Light" panose="020F0302020204030204" pitchFamily="34" charset="0"/>
               </a:rPr>
-              <a:t>And We desired to show </a:t>
-            </a:r>
-            <a:r>
-              <a:rPr kumimoji="0" lang="en-US" sz="1400" b="0" i="1" u="none" strike="noStrike" kern="1200" cap="none" spc="0" normalizeH="0" baseline="0" noProof="0" dirty="0" err="1">
-                <a:ln>
-                  <a:noFill/>
-                </a:ln>
-                <a:solidFill>
-                  <a:srgbClr val="127274"/>
-                </a:solidFill>
-                <a:effectLst/>
-                <a:uLnTx/>
-                <a:uFillTx/>
-                <a:latin typeface="Calibri Light" panose="020F0302020204030204" pitchFamily="34" charset="0"/>
-                <a:ea typeface="Calibri Light" panose="020F0302020204030204" pitchFamily="34" charset="0"/>
-                <a:cs typeface="Calibri Light" panose="020F0302020204030204" pitchFamily="34" charset="0"/>
-              </a:rPr>
-              <a:t>favour</a:t>
-            </a:r>
-            <a:r>
-              <a:rPr kumimoji="0" lang="en-US" sz="1400" b="0" i="1" u="none" strike="noStrike" kern="1200" cap="none" spc="0" normalizeH="0" baseline="0" noProof="0" dirty="0">
-                <a:ln>
-                  <a:noFill/>
-                </a:ln>
-                <a:solidFill>
-                  <a:srgbClr val="127274"/>
-                </a:solidFill>
-                <a:effectLst/>
-                <a:uLnTx/>
-                <a:uFillTx/>
-                <a:latin typeface="Calibri Light" panose="020F0302020204030204" pitchFamily="34" charset="0"/>
-                <a:ea typeface="Calibri Light" panose="020F0302020204030204" pitchFamily="34" charset="0"/>
-                <a:cs typeface="Calibri Light" panose="020F0302020204030204" pitchFamily="34" charset="0"/>
-              </a:rPr>
-              <a:t> upon those who were abased in the land, </a:t>
+              <a:t>And We desired to show favor upon those who were abased in the land, </a:t>
             </a:r>
           </a:p>
           <a:p>
@@ -4573,7 +4539,7 @@
               <a:t>(Surah </a:t>
             </a:r>
             <a:r>
-              <a:rPr kumimoji="0" lang="en-US" sz="1200" b="0" i="1" u="none" strike="noStrike" kern="1200" cap="none" spc="0" normalizeH="0" baseline="0" noProof="0" dirty="0" err="1">
+              <a:rPr kumimoji="0" lang="en-US" sz="1200" b="0" i="1" u="none" strike="noStrike" kern="1200" cap="none" spc="0" normalizeH="0" baseline="0" noProof="0">
                 <a:ln>
                   <a:noFill/>
                 </a:ln>
@@ -4587,7 +4553,7 @@
                 <a:ea typeface="Calibri Light" panose="020F0302020204030204" pitchFamily="34" charset="0"/>
                 <a:cs typeface="Calibri Light" panose="020F0302020204030204" pitchFamily="34" charset="0"/>
               </a:rPr>
-              <a:t>Qasas</a:t>
+              <a:t>Qasas: </a:t>
             </a:r>
             <a:r>
               <a:rPr kumimoji="0" lang="en-US" sz="1200" b="0" i="1" u="none" strike="noStrike" kern="1200" cap="none" spc="0" normalizeH="0" baseline="0" noProof="0" dirty="0">
@@ -4604,7 +4570,7 @@
                 <a:ea typeface="Calibri Light" panose="020F0302020204030204" pitchFamily="34" charset="0"/>
                 <a:cs typeface="Calibri Light" panose="020F0302020204030204" pitchFamily="34" charset="0"/>
               </a:rPr>
-              <a:t> : 5)</a:t>
+              <a:t>5)</a:t>
             </a:r>
             <a:endParaRPr kumimoji="0" lang="en-CA" sz="1200" b="0" i="1" u="none" strike="noStrike" kern="1200" cap="none" spc="0" normalizeH="0" baseline="0" noProof="0" dirty="0">
               <a:ln>
